--- a/PowerpointTemplater.Tests/files/ReplaceTables_output3.pptx
+++ b/PowerpointTemplater.Tests/files/ReplaceTables_output3.pptx
@@ -6,9 +6,9 @@
   </p:sldMasterIdLst>
   <p:sldIdLst>
     <p:sldId id="256" r:id="rId2"/>
-    <p:sldId id="259" r:id="R97732b12a4ec4dd7"/>
-    <p:sldId id="260" r:id="R52a3af96f8e64c3e"/>
-    <p:sldId id="261" r:id="Rb4cfb2944d474358"/>
+    <p:sldId id="259" r:id="Re079f6e599d94536"/>
+    <p:sldId id="260" r:id="R076968baa03c47c9"/>
+    <p:sldId id="261" r:id="R1e27764bbe454fcf"/>
     <p:sldId id="258" r:id="rId4"/>
   </p:sldIdLst>
   <p:sldSz cx="9144000" cy="6858000" type="screen4x3"/>
@@ -3319,7 +3319,7 @@
           </p:nvPr>
         </p:nvPicPr>
         <p:blipFill>
-          <a:blip r:embed="Rec8612f56fbe4fb3">
+          <a:blip r:embed="R400fa50f98d94ef7">
             <a:extLst>
               <a:ext uri="{28A0092B-C50C-407E-A947-70E740481C1C}">
                 <a14:useLocalDpi xmlns:a14="http://schemas.microsoft.com/office/drawing/2010/main" val="0"/>

--- a/PowerpointTemplater.Tests/files/ReplaceTables_output3.pptx
+++ b/PowerpointTemplater.Tests/files/ReplaceTables_output3.pptx
@@ -6,9 +6,9 @@
   </p:sldMasterIdLst>
   <p:sldIdLst>
     <p:sldId id="256" r:id="rId2"/>
-    <p:sldId id="259" r:id="Re079f6e599d94536"/>
-    <p:sldId id="260" r:id="R076968baa03c47c9"/>
-    <p:sldId id="261" r:id="R1e27764bbe454fcf"/>
+    <p:sldId id="259" r:id="Rd42c186e0d9c4de2"/>
+    <p:sldId id="260" r:id="R50f660f4a3574ad5"/>
+    <p:sldId id="261" r:id="R905189d4f35d449b"/>
     <p:sldId id="258" r:id="rId4"/>
   </p:sldIdLst>
   <p:sldSz cx="9144000" cy="6858000" type="screen4x3"/>
@@ -3319,7 +3319,7 @@
           </p:nvPr>
         </p:nvPicPr>
         <p:blipFill>
-          <a:blip r:embed="R400fa50f98d94ef7">
+          <a:blip r:embed="R1d397e435ac047bf">
             <a:extLst>
               <a:ext uri="{28A0092B-C50C-407E-A947-70E740481C1C}">
                 <a14:useLocalDpi xmlns:a14="http://schemas.microsoft.com/office/drawing/2010/main" val="0"/>

--- a/PowerpointTemplater.Tests/files/ReplaceTables_output3.pptx
+++ b/PowerpointTemplater.Tests/files/ReplaceTables_output3.pptx
@@ -6,9 +6,9 @@
   </p:sldMasterIdLst>
   <p:sldIdLst>
     <p:sldId id="256" r:id="rId2"/>
-    <p:sldId id="259" r:id="Rd42c186e0d9c4de2"/>
-    <p:sldId id="260" r:id="R50f660f4a3574ad5"/>
-    <p:sldId id="261" r:id="R905189d4f35d449b"/>
+    <p:sldId id="259" r:id="R18a0957175a944cc"/>
+    <p:sldId id="260" r:id="R42a088462c284497"/>
+    <p:sldId id="261" r:id="R9af31b7f19134733"/>
     <p:sldId id="258" r:id="rId4"/>
   </p:sldIdLst>
   <p:sldSz cx="9144000" cy="6858000" type="screen4x3"/>
@@ -3319,7 +3319,7 @@
           </p:nvPr>
         </p:nvPicPr>
         <p:blipFill>
-          <a:blip r:embed="R1d397e435ac047bf">
+          <a:blip r:embed="R192ab9ef5a084ff4">
             <a:extLst>
               <a:ext uri="{28A0092B-C50C-407E-A947-70E740481C1C}">
                 <a14:useLocalDpi xmlns:a14="http://schemas.microsoft.com/office/drawing/2010/main" val="0"/>
@@ -3614,7 +3614,7 @@
                     <a:lstStyle/>
                     <a:p>
                       <a:r>
-                        <a:rPr lang="en-US" dirty="0" smtClean="0"/>
+                        <a:rPr lang="en-US" b="0" i="0" strike="noStrike" dirty="0" smtClean="0"/>
                         <a:t>2.0.1</a:t>
                       </a:r>
                       <a:endParaRPr lang="fr-FR" dirty="0"/>
@@ -3645,7 +3645,7 @@
                         <a:defRPr/>
                       </a:pPr>
                       <a:r>
-                        <a:rPr lang="en-US" dirty="0" smtClean="0"/>
+                        <a:rPr lang="en-US" b="0" i="0" strike="noStrike" dirty="0" smtClean="0"/>
                         <a:t>2.0.2</a:t>
                       </a:r>
                       <a:endParaRPr lang="fr-FR" dirty="0" smtClean="0"/>
@@ -3659,7 +3659,7 @@
                     <a:lstStyle/>
                     <a:p>
                       <a:r>
-                        <a:rPr lang="en-US" dirty="0" smtClean="0"/>
+                        <a:rPr lang="en-US" b="0" i="0" strike="noStrike" dirty="0" smtClean="0"/>
                         <a:t>2.0.3</a:t>
                       </a:r>
                       <a:endParaRPr lang="fr-FR" dirty="0"/>
@@ -3673,7 +3673,7 @@
                     <a:lstStyle/>
                     <a:p>
                       <a:r>
-                        <a:rPr lang="en-US" dirty="0" smtClean="0"/>
+                        <a:rPr lang="en-US" b="0" i="0" strike="noStrike" dirty="0" smtClean="0"/>
                         <a:t>2.0.4</a:t>
                       </a:r>
                       <a:endParaRPr lang="fr-FR" dirty="0"/>
@@ -3687,7 +3687,7 @@
                     <a:lstStyle/>
                     <a:p>
                       <a:r>
-                        <a:rPr lang="en-US" dirty="0" smtClean="0"/>
+                        <a:rPr lang="en-US" b="0" i="0" strike="noStrike" dirty="0" smtClean="0"/>
                         <a:t>2.0.5</a:t>
                       </a:r>
                       <a:endParaRPr lang="fr-FR" dirty="0"/>
@@ -3701,7 +3701,7 @@
                     <a:lstStyle/>
                     <a:p>
                       <a:r>
-                        <a:rPr lang="en-US" dirty="0" smtClean="0"/>
+                        <a:rPr lang="en-US" b="0" i="0" strike="noStrike" dirty="0" smtClean="0"/>
                         <a:t>2.0.6</a:t>
                       </a:r>
                       <a:endParaRPr lang="fr-FR" dirty="0"/>
@@ -3717,7 +3717,7 @@
                     <a:lstStyle/>
                     <a:p>
                       <a:r>
-                        <a:rPr lang="en-US" dirty="0" smtClean="0"/>
+                        <a:rPr lang="en-US" b="0" i="0" strike="noStrike" dirty="0" smtClean="0"/>
                         <a:t>2.1.1</a:t>
                       </a:r>
                       <a:endParaRPr lang="fr-FR" dirty="0"/>
@@ -3748,7 +3748,7 @@
                         <a:defRPr/>
                       </a:pPr>
                       <a:r>
-                        <a:rPr lang="en-US" dirty="0" smtClean="0"/>
+                        <a:rPr lang="en-US" b="0" i="0" strike="noStrike" dirty="0" smtClean="0"/>
                         <a:t>2.1.2</a:t>
                       </a:r>
                       <a:endParaRPr lang="fr-FR" dirty="0" smtClean="0"/>
@@ -3762,7 +3762,7 @@
                     <a:lstStyle/>
                     <a:p>
                       <a:r>
-                        <a:rPr lang="en-US" dirty="0" smtClean="0"/>
+                        <a:rPr lang="en-US" b="0" i="0" strike="noStrike" dirty="0" smtClean="0"/>
                         <a:t>2.1.3</a:t>
                       </a:r>
                       <a:endParaRPr lang="fr-FR" dirty="0"/>
@@ -3776,7 +3776,7 @@
                     <a:lstStyle/>
                     <a:p>
                       <a:r>
-                        <a:rPr lang="en-US" dirty="0" smtClean="0"/>
+                        <a:rPr lang="en-US" b="0" i="0" strike="noStrike" dirty="0" smtClean="0"/>
                         <a:t>2.1.4</a:t>
                       </a:r>
                       <a:endParaRPr lang="fr-FR" dirty="0"/>
@@ -3790,7 +3790,7 @@
                     <a:lstStyle/>
                     <a:p>
                       <a:r>
-                        <a:rPr lang="en-US" dirty="0" smtClean="0"/>
+                        <a:rPr lang="en-US" b="0" i="0" strike="noStrike" dirty="0" smtClean="0"/>
                         <a:t>2.1.5</a:t>
                       </a:r>
                       <a:endParaRPr lang="fr-FR" dirty="0"/>
@@ -3804,7 +3804,7 @@
                     <a:lstStyle/>
                     <a:p>
                       <a:r>
-                        <a:rPr lang="en-US" dirty="0" smtClean="0"/>
+                        <a:rPr lang="en-US" b="0" i="0" strike="noStrike" dirty="0" smtClean="0"/>
                         <a:t>2.1.6</a:t>
                       </a:r>
                       <a:endParaRPr lang="fr-FR" dirty="0"/>
@@ -3820,7 +3820,7 @@
                     <a:lstStyle/>
                     <a:p>
                       <a:r>
-                        <a:rPr lang="en-US" dirty="0" smtClean="0"/>
+                        <a:rPr lang="en-US" b="0" i="0" strike="noStrike" dirty="0" smtClean="0"/>
                         <a:t>2.2.1</a:t>
                       </a:r>
                       <a:endParaRPr lang="fr-FR" dirty="0"/>
@@ -3851,7 +3851,7 @@
                         <a:defRPr/>
                       </a:pPr>
                       <a:r>
-                        <a:rPr lang="en-US" dirty="0" smtClean="0"/>
+                        <a:rPr lang="en-US" b="0" i="0" strike="noStrike" dirty="0" smtClean="0"/>
                         <a:t>2.2.2</a:t>
                       </a:r>
                       <a:endParaRPr lang="fr-FR" dirty="0" smtClean="0"/>
@@ -3865,7 +3865,7 @@
                     <a:lstStyle/>
                     <a:p>
                       <a:r>
-                        <a:rPr lang="en-US" dirty="0" smtClean="0"/>
+                        <a:rPr lang="en-US" b="0" i="0" strike="noStrike" dirty="0" smtClean="0"/>
                         <a:t>2.2.3</a:t>
                       </a:r>
                       <a:endParaRPr lang="fr-FR" dirty="0"/>
@@ -3879,7 +3879,7 @@
                     <a:lstStyle/>
                     <a:p>
                       <a:r>
-                        <a:rPr lang="en-US" dirty="0" smtClean="0"/>
+                        <a:rPr lang="en-US" b="0" i="0" strike="noStrike" dirty="0" smtClean="0"/>
                         <a:t>2.2.4</a:t>
                       </a:r>
                       <a:endParaRPr lang="fr-FR" dirty="0"/>
@@ -3893,7 +3893,7 @@
                     <a:lstStyle/>
                     <a:p>
                       <a:r>
-                        <a:rPr lang="en-US" dirty="0" smtClean="0"/>
+                        <a:rPr lang="en-US" b="0" i="0" strike="noStrike" dirty="0" smtClean="0"/>
                         <a:t>2.2.5</a:t>
                       </a:r>
                       <a:endParaRPr lang="fr-FR" dirty="0"/>
@@ -3907,7 +3907,7 @@
                     <a:lstStyle/>
                     <a:p>
                       <a:r>
-                        <a:rPr lang="en-US" dirty="0" smtClean="0"/>
+                        <a:rPr lang="en-US" b="0" i="0" strike="noStrike" dirty="0" smtClean="0"/>
                         <a:t>2.2.6</a:t>
                       </a:r>
                       <a:endParaRPr lang="fr-FR" dirty="0"/>
@@ -3923,7 +3923,7 @@
                     <a:lstStyle/>
                     <a:p>
                       <a:r>
-                        <a:rPr lang="en-US" dirty="0" smtClean="0"/>
+                        <a:rPr lang="en-US" b="0" i="0" strike="noStrike" dirty="0" smtClean="0"/>
                         <a:t>2.3.1</a:t>
                       </a:r>
                       <a:endParaRPr lang="fr-FR" dirty="0"/>
@@ -3954,7 +3954,7 @@
                         <a:defRPr/>
                       </a:pPr>
                       <a:r>
-                        <a:rPr lang="en-US" dirty="0" smtClean="0"/>
+                        <a:rPr lang="en-US" b="0" i="0" strike="noStrike" dirty="0" smtClean="0"/>
                         <a:t>2.3.2</a:t>
                       </a:r>
                       <a:endParaRPr lang="fr-FR" dirty="0" smtClean="0"/>
@@ -3968,7 +3968,7 @@
                     <a:lstStyle/>
                     <a:p>
                       <a:r>
-                        <a:rPr lang="en-US" dirty="0" smtClean="0"/>
+                        <a:rPr lang="en-US" b="0" i="0" strike="noStrike" dirty="0" smtClean="0"/>
                         <a:t>2.3.3</a:t>
                       </a:r>
                       <a:endParaRPr lang="fr-FR" dirty="0"/>
@@ -3982,7 +3982,7 @@
                     <a:lstStyle/>
                     <a:p>
                       <a:r>
-                        <a:rPr lang="en-US" dirty="0" smtClean="0"/>
+                        <a:rPr lang="en-US" b="0" i="0" strike="noStrike" dirty="0" smtClean="0"/>
                         <a:t>2.3.4</a:t>
                       </a:r>
                       <a:endParaRPr lang="fr-FR" dirty="0"/>
@@ -3996,7 +3996,7 @@
                     <a:lstStyle/>
                     <a:p>
                       <a:r>
-                        <a:rPr lang="en-US" dirty="0" smtClean="0"/>
+                        <a:rPr lang="en-US" b="0" i="0" strike="noStrike" dirty="0" smtClean="0"/>
                         <a:t>2.3.5</a:t>
                       </a:r>
                       <a:endParaRPr lang="fr-FR" dirty="0"/>
@@ -4010,7 +4010,7 @@
                     <a:lstStyle/>
                     <a:p>
                       <a:r>
-                        <a:rPr lang="en-US" dirty="0" smtClean="0"/>
+                        <a:rPr lang="en-US" b="0" i="0" strike="noStrike" dirty="0" smtClean="0"/>
                         <a:t>2.3.6</a:t>
                       </a:r>
                       <a:endParaRPr lang="fr-FR" dirty="0"/>
@@ -4422,7 +4422,7 @@
                     <a:lstStyle/>
                     <a:p>
                       <a:r>
-                        <a:rPr lang="en-US" dirty="0" smtClean="0"/>
+                        <a:rPr lang="en-US" b="0" i="0" strike="noStrike" dirty="0" smtClean="0"/>
                         <a:t>2.4.1</a:t>
                       </a:r>
                       <a:endParaRPr lang="fr-FR" dirty="0"/>
@@ -4453,7 +4453,7 @@
                         <a:defRPr/>
                       </a:pPr>
                       <a:r>
-                        <a:rPr lang="en-US" dirty="0" smtClean="0"/>
+                        <a:rPr lang="en-US" b="0" i="0" strike="noStrike" dirty="0" smtClean="0"/>
                         <a:t>2.4.2</a:t>
                       </a:r>
                       <a:endParaRPr lang="fr-FR" dirty="0" smtClean="0"/>
@@ -4467,7 +4467,7 @@
                     <a:lstStyle/>
                     <a:p>
                       <a:r>
-                        <a:rPr lang="en-US" dirty="0" smtClean="0"/>
+                        <a:rPr lang="en-US" b="0" i="0" strike="noStrike" dirty="0" smtClean="0"/>
                         <a:t>2.4.3</a:t>
                       </a:r>
                       <a:endParaRPr lang="fr-FR" dirty="0"/>
@@ -4481,7 +4481,7 @@
                     <a:lstStyle/>
                     <a:p>
                       <a:r>
-                        <a:rPr lang="en-US" dirty="0" smtClean="0"/>
+                        <a:rPr lang="en-US" b="0" i="0" strike="noStrike" dirty="0" smtClean="0"/>
                         <a:t>2.4.4</a:t>
                       </a:r>
                       <a:endParaRPr lang="fr-FR" dirty="0"/>
@@ -4495,7 +4495,7 @@
                     <a:lstStyle/>
                     <a:p>
                       <a:r>
-                        <a:rPr lang="en-US" dirty="0" smtClean="0"/>
+                        <a:rPr lang="en-US" b="0" i="0" strike="noStrike" dirty="0" smtClean="0"/>
                         <a:t>2.4.5</a:t>
                       </a:r>
                       <a:endParaRPr lang="fr-FR" dirty="0"/>
@@ -4509,7 +4509,7 @@
                     <a:lstStyle/>
                     <a:p>
                       <a:r>
-                        <a:rPr lang="en-US" dirty="0" smtClean="0"/>
+                        <a:rPr lang="en-US" b="0" i="0" strike="noStrike" dirty="0" smtClean="0"/>
                         <a:t>2.4.6</a:t>
                       </a:r>
                       <a:endParaRPr lang="fr-FR" dirty="0"/>
@@ -4525,7 +4525,7 @@
                     <a:lstStyle/>
                     <a:p>
                       <a:r>
-                        <a:rPr lang="en-US" dirty="0" smtClean="0"/>
+                        <a:rPr lang="en-US" b="0" i="0" strike="noStrike" dirty="0" smtClean="0"/>
                         <a:t>2.5.1</a:t>
                       </a:r>
                       <a:endParaRPr lang="fr-FR" dirty="0"/>
@@ -4556,7 +4556,7 @@
                         <a:defRPr/>
                       </a:pPr>
                       <a:r>
-                        <a:rPr lang="en-US" dirty="0" smtClean="0"/>
+                        <a:rPr lang="en-US" b="0" i="0" strike="noStrike" dirty="0" smtClean="0"/>
                         <a:t>2.5.2</a:t>
                       </a:r>
                       <a:endParaRPr lang="fr-FR" dirty="0" smtClean="0"/>
@@ -4570,7 +4570,7 @@
                     <a:lstStyle/>
                     <a:p>
                       <a:r>
-                        <a:rPr lang="en-US" dirty="0" smtClean="0"/>
+                        <a:rPr lang="en-US" b="0" i="0" strike="noStrike" dirty="0" smtClean="0"/>
                         <a:t>2.5.3</a:t>
                       </a:r>
                       <a:endParaRPr lang="fr-FR" dirty="0"/>
@@ -4584,7 +4584,7 @@
                     <a:lstStyle/>
                     <a:p>
                       <a:r>
-                        <a:rPr lang="en-US" dirty="0" smtClean="0"/>
+                        <a:rPr lang="en-US" b="0" i="0" strike="noStrike" dirty="0" smtClean="0"/>
                         <a:t>2.5.4</a:t>
                       </a:r>
                       <a:endParaRPr lang="fr-FR" dirty="0"/>
@@ -4598,7 +4598,7 @@
                     <a:lstStyle/>
                     <a:p>
                       <a:r>
-                        <a:rPr lang="en-US" dirty="0" smtClean="0"/>
+                        <a:rPr lang="en-US" b="0" i="0" strike="noStrike" dirty="0" smtClean="0"/>
                         <a:t>2.5.5</a:t>
                       </a:r>
                       <a:endParaRPr lang="fr-FR" dirty="0"/>
@@ -4612,7 +4612,7 @@
                     <a:lstStyle/>
                     <a:p>
                       <a:r>
-                        <a:rPr lang="en-US" dirty="0" smtClean="0"/>
+                        <a:rPr lang="en-US" b="0" i="0" strike="noStrike" dirty="0" smtClean="0"/>
                         <a:t>2.5.6</a:t>
                       </a:r>
                       <a:endParaRPr lang="fr-FR" dirty="0"/>
@@ -4628,7 +4628,7 @@
                     <a:lstStyle/>
                     <a:p>
                       <a:r>
-                        <a:rPr lang="en-US" dirty="0" smtClean="0"/>
+                        <a:rPr lang="en-US" b="0" i="0" strike="noStrike" dirty="0" smtClean="0"/>
                         <a:t>2.6.1</a:t>
                       </a:r>
                       <a:endParaRPr lang="fr-FR" dirty="0"/>
@@ -4659,7 +4659,7 @@
                         <a:defRPr/>
                       </a:pPr>
                       <a:r>
-                        <a:rPr lang="en-US" dirty="0" smtClean="0"/>
+                        <a:rPr lang="en-US" b="0" i="0" strike="noStrike" dirty="0" smtClean="0"/>
                         <a:t>2.6.2</a:t>
                       </a:r>
                       <a:endParaRPr lang="fr-FR" dirty="0" smtClean="0"/>
@@ -4673,7 +4673,7 @@
                     <a:lstStyle/>
                     <a:p>
                       <a:r>
-                        <a:rPr lang="en-US" dirty="0" smtClean="0"/>
+                        <a:rPr lang="en-US" b="0" i="0" strike="noStrike" dirty="0" smtClean="0"/>
                         <a:t>2.6.3</a:t>
                       </a:r>
                       <a:endParaRPr lang="fr-FR" dirty="0"/>
@@ -4687,7 +4687,7 @@
                     <a:lstStyle/>
                     <a:p>
                       <a:r>
-                        <a:rPr lang="en-US" dirty="0" smtClean="0"/>
+                        <a:rPr lang="en-US" b="0" i="0" strike="noStrike" dirty="0" smtClean="0"/>
                         <a:t>2.6.4</a:t>
                       </a:r>
                       <a:endParaRPr lang="fr-FR" dirty="0"/>
@@ -4701,7 +4701,7 @@
                     <a:lstStyle/>
                     <a:p>
                       <a:r>
-                        <a:rPr lang="en-US" dirty="0" smtClean="0"/>
+                        <a:rPr lang="en-US" b="0" i="0" strike="noStrike" dirty="0" smtClean="0"/>
                         <a:t>2.6.5</a:t>
                       </a:r>
                       <a:endParaRPr lang="fr-FR" dirty="0"/>
@@ -4715,7 +4715,7 @@
                     <a:lstStyle/>
                     <a:p>
                       <a:r>
-                        <a:rPr lang="en-US" dirty="0" smtClean="0"/>
+                        <a:rPr lang="en-US" b="0" i="0" strike="noStrike" dirty="0" smtClean="0"/>
                         <a:t>2.6.6</a:t>
                       </a:r>
                       <a:endParaRPr lang="fr-FR" dirty="0"/>
@@ -4731,7 +4731,7 @@
                     <a:lstStyle/>
                     <a:p>
                       <a:r>
-                        <a:rPr lang="en-US" dirty="0" smtClean="0"/>
+                        <a:rPr lang="en-US" b="0" i="0" strike="noStrike" dirty="0" smtClean="0"/>
                         <a:t>2.7.1</a:t>
                       </a:r>
                       <a:endParaRPr lang="fr-FR" dirty="0"/>
@@ -4762,7 +4762,7 @@
                         <a:defRPr/>
                       </a:pPr>
                       <a:r>
-                        <a:rPr lang="en-US" dirty="0" smtClean="0"/>
+                        <a:rPr lang="en-US" b="0" i="0" strike="noStrike" dirty="0" smtClean="0"/>
                         <a:t>2.7.2</a:t>
                       </a:r>
                       <a:endParaRPr lang="fr-FR" dirty="0" smtClean="0"/>
@@ -4776,7 +4776,7 @@
                     <a:lstStyle/>
                     <a:p>
                       <a:r>
-                        <a:rPr lang="en-US" dirty="0" smtClean="0"/>
+                        <a:rPr lang="en-US" b="0" i="0" strike="noStrike" dirty="0" smtClean="0"/>
                         <a:t>2.7.3</a:t>
                       </a:r>
                       <a:endParaRPr lang="fr-FR" dirty="0"/>
@@ -4790,7 +4790,7 @@
                     <a:lstStyle/>
                     <a:p>
                       <a:r>
-                        <a:rPr lang="en-US" dirty="0" smtClean="0"/>
+                        <a:rPr lang="en-US" b="0" i="0" strike="noStrike" dirty="0" smtClean="0"/>
                         <a:t>2.7.4</a:t>
                       </a:r>
                       <a:endParaRPr lang="fr-FR" dirty="0"/>
@@ -4804,7 +4804,7 @@
                     <a:lstStyle/>
                     <a:p>
                       <a:r>
-                        <a:rPr lang="en-US" dirty="0" smtClean="0"/>
+                        <a:rPr lang="en-US" b="0" i="0" strike="noStrike" dirty="0" smtClean="0"/>
                         <a:t>2.7.5</a:t>
                       </a:r>
                       <a:endParaRPr lang="fr-FR" dirty="0"/>
@@ -4818,7 +4818,7 @@
                     <a:lstStyle/>
                     <a:p>
                       <a:r>
-                        <a:rPr lang="en-US" dirty="0" smtClean="0"/>
+                        <a:rPr lang="en-US" b="0" i="0" strike="noStrike" dirty="0" smtClean="0"/>
                         <a:t>2.7.6</a:t>
                       </a:r>
                       <a:endParaRPr lang="fr-FR" dirty="0"/>
@@ -5230,7 +5230,7 @@
                     <a:lstStyle/>
                     <a:p>
                       <a:r>
-                        <a:rPr lang="en-US" dirty="0" smtClean="0"/>
+                        <a:rPr lang="en-US" b="0" i="0" strike="noStrike" dirty="0" smtClean="0"/>
                         <a:t>2.8.1</a:t>
                       </a:r>
                       <a:endParaRPr lang="fr-FR" dirty="0"/>
@@ -5261,7 +5261,7 @@
                         <a:defRPr/>
                       </a:pPr>
                       <a:r>
-                        <a:rPr lang="en-US" dirty="0" smtClean="0"/>
+                        <a:rPr lang="en-US" b="0" i="0" strike="noStrike" dirty="0" smtClean="0"/>
                         <a:t>2.8.2</a:t>
                       </a:r>
                       <a:endParaRPr lang="fr-FR" dirty="0" smtClean="0"/>
@@ -5275,7 +5275,7 @@
                     <a:lstStyle/>
                     <a:p>
                       <a:r>
-                        <a:rPr lang="en-US" dirty="0" smtClean="0"/>
+                        <a:rPr lang="en-US" b="0" i="0" strike="noStrike" dirty="0" smtClean="0"/>
                         <a:t>2.8.3</a:t>
                       </a:r>
                       <a:endParaRPr lang="fr-FR" dirty="0"/>
@@ -5289,7 +5289,7 @@
                     <a:lstStyle/>
                     <a:p>
                       <a:r>
-                        <a:rPr lang="en-US" dirty="0" smtClean="0"/>
+                        <a:rPr lang="en-US" b="0" i="0" strike="noStrike" dirty="0" smtClean="0"/>
                         <a:t>2.8.4</a:t>
                       </a:r>
                       <a:endParaRPr lang="fr-FR" dirty="0"/>
@@ -5303,7 +5303,7 @@
                     <a:lstStyle/>
                     <a:p>
                       <a:r>
-                        <a:rPr lang="en-US" dirty="0" smtClean="0"/>
+                        <a:rPr lang="en-US" b="0" i="0" strike="noStrike" dirty="0" smtClean="0"/>
                         <a:t>2.8.5</a:t>
                       </a:r>
                       <a:endParaRPr lang="fr-FR" dirty="0"/>
@@ -5317,7 +5317,7 @@
                     <a:lstStyle/>
                     <a:p>
                       <a:r>
-                        <a:rPr lang="en-US" dirty="0" smtClean="0"/>
+                        <a:rPr lang="en-US" b="0" i="0" strike="noStrike" dirty="0" smtClean="0"/>
                         <a:t>2.8.6</a:t>
                       </a:r>
                       <a:endParaRPr lang="fr-FR" dirty="0"/>
@@ -5333,7 +5333,7 @@
                     <a:lstStyle/>
                     <a:p>
                       <a:r>
-                        <a:rPr lang="en-US" dirty="0" smtClean="0"/>
+                        <a:rPr lang="en-US" b="0" i="0" strike="noStrike" dirty="0" smtClean="0"/>
                         <a:t>2.9.1</a:t>
                       </a:r>
                       <a:endParaRPr lang="fr-FR" dirty="0"/>
@@ -5364,7 +5364,7 @@
                         <a:defRPr/>
                       </a:pPr>
                       <a:r>
-                        <a:rPr lang="en-US" dirty="0" smtClean="0"/>
+                        <a:rPr lang="en-US" b="0" i="0" strike="noStrike" dirty="0" smtClean="0"/>
                         <a:t>2.9.2</a:t>
                       </a:r>
                       <a:endParaRPr lang="fr-FR" dirty="0" smtClean="0"/>
@@ -5378,7 +5378,7 @@
                     <a:lstStyle/>
                     <a:p>
                       <a:r>
-                        <a:rPr lang="en-US" dirty="0" smtClean="0"/>
+                        <a:rPr lang="en-US" b="0" i="0" strike="noStrike" dirty="0" smtClean="0"/>
                         <a:t>2.9.3</a:t>
                       </a:r>
                       <a:endParaRPr lang="fr-FR" dirty="0"/>
@@ -5392,7 +5392,7 @@
                     <a:lstStyle/>
                     <a:p>
                       <a:r>
-                        <a:rPr lang="en-US" dirty="0" smtClean="0"/>
+                        <a:rPr lang="en-US" b="0" i="0" strike="noStrike" dirty="0" smtClean="0"/>
                         <a:t>2.9.4</a:t>
                       </a:r>
                       <a:endParaRPr lang="fr-FR" dirty="0"/>
@@ -5406,7 +5406,7 @@
                     <a:lstStyle/>
                     <a:p>
                       <a:r>
-                        <a:rPr lang="en-US" dirty="0" smtClean="0"/>
+                        <a:rPr lang="en-US" b="0" i="0" strike="noStrike" dirty="0" smtClean="0"/>
                         <a:t>2.9.5</a:t>
                       </a:r>
                       <a:endParaRPr lang="fr-FR" dirty="0"/>
@@ -5420,7 +5420,7 @@
                     <a:lstStyle/>
                     <a:p>
                       <a:r>
-                        <a:rPr lang="en-US" dirty="0" smtClean="0"/>
+                        <a:rPr lang="en-US" b="0" i="0" strike="noStrike" dirty="0" smtClean="0"/>
                         <a:t>2.9.6</a:t>
                       </a:r>
                       <a:endParaRPr lang="fr-FR" dirty="0"/>

--- a/PowerpointTemplater.Tests/files/ReplaceTables_output3.pptx
+++ b/PowerpointTemplater.Tests/files/ReplaceTables_output3.pptx
@@ -6,9 +6,9 @@
   </p:sldMasterIdLst>
   <p:sldIdLst>
     <p:sldId id="256" r:id="rId2"/>
-    <p:sldId id="259" r:id="R18a0957175a944cc"/>
-    <p:sldId id="260" r:id="R42a088462c284497"/>
-    <p:sldId id="261" r:id="R9af31b7f19134733"/>
+    <p:sldId id="259" r:id="Rb244a22343394f41"/>
+    <p:sldId id="260" r:id="Re836a29d2b73427f"/>
+    <p:sldId id="261" r:id="R2180275c7d5f4abc"/>
     <p:sldId id="258" r:id="rId4"/>
   </p:sldIdLst>
   <p:sldSz cx="9144000" cy="6858000" type="screen4x3"/>
@@ -3319,7 +3319,7 @@
           </p:nvPr>
         </p:nvPicPr>
         <p:blipFill>
-          <a:blip r:embed="R192ab9ef5a084ff4">
+          <a:blip r:embed="Re678e8cf14264976">
             <a:extLst>
               <a:ext uri="{28A0092B-C50C-407E-A947-70E740481C1C}">
                 <a14:useLocalDpi xmlns:a14="http://schemas.microsoft.com/office/drawing/2010/main" val="0"/>
